--- a/text/figures/figrue_preperation/Figure2_Pipelinev1.pptx
+++ b/text/figures/figrue_preperation/Figure2_Pipelinev1.pptx
@@ -199,7 +199,7 @@
           <a:p>
             <a:fld id="{184F3E02-4934-2644-A74B-3CCC5F110DE4}" type="datetimeFigureOut">
               <a:rPr lang="en-US" smtClean="0"/>
-              <a:t>10/26/16</a:t>
+              <a:t>3/7/17</a:t>
             </a:fld>
             <a:endParaRPr lang="en-US"/>
           </a:p>
@@ -655,7 +655,7 @@
                 </a:solidFill>
               </a:rPr>
               <a:pPr/>
-              <a:t>10/26/16</a:t>
+              <a:t>3/7/17</a:t>
             </a:fld>
             <a:endParaRPr lang="en-US">
               <a:solidFill>
@@ -853,7 +853,7 @@
                 </a:solidFill>
               </a:rPr>
               <a:pPr/>
-              <a:t>10/26/16</a:t>
+              <a:t>3/7/17</a:t>
             </a:fld>
             <a:endParaRPr lang="en-US">
               <a:solidFill>
@@ -1061,7 +1061,7 @@
                 </a:solidFill>
               </a:rPr>
               <a:pPr/>
-              <a:t>10/26/16</a:t>
+              <a:t>3/7/17</a:t>
             </a:fld>
             <a:endParaRPr lang="en-US">
               <a:solidFill>
@@ -1259,7 +1259,7 @@
                 </a:solidFill>
               </a:rPr>
               <a:pPr/>
-              <a:t>10/26/16</a:t>
+              <a:t>3/7/17</a:t>
             </a:fld>
             <a:endParaRPr lang="en-US">
               <a:solidFill>
@@ -1533,7 +1533,7 @@
                 </a:solidFill>
               </a:rPr>
               <a:pPr/>
-              <a:t>10/26/16</a:t>
+              <a:t>3/7/17</a:t>
             </a:fld>
             <a:endParaRPr lang="en-US">
               <a:solidFill>
@@ -1849,7 +1849,7 @@
                 </a:solidFill>
               </a:rPr>
               <a:pPr/>
-              <a:t>10/26/16</a:t>
+              <a:t>3/7/17</a:t>
             </a:fld>
             <a:endParaRPr lang="en-US">
               <a:solidFill>
@@ -2299,7 +2299,7 @@
                 </a:solidFill>
               </a:rPr>
               <a:pPr/>
-              <a:t>10/26/16</a:t>
+              <a:t>3/7/17</a:t>
             </a:fld>
             <a:endParaRPr lang="en-US">
               <a:solidFill>
@@ -2445,7 +2445,7 @@
                 </a:solidFill>
               </a:rPr>
               <a:pPr/>
-              <a:t>10/26/16</a:t>
+              <a:t>3/7/17</a:t>
             </a:fld>
             <a:endParaRPr lang="en-US">
               <a:solidFill>
@@ -2568,7 +2568,7 @@
                 </a:solidFill>
               </a:rPr>
               <a:pPr/>
-              <a:t>10/26/16</a:t>
+              <a:t>3/7/17</a:t>
             </a:fld>
             <a:endParaRPr lang="en-US">
               <a:solidFill>
@@ -2873,7 +2873,7 @@
                 </a:solidFill>
               </a:rPr>
               <a:pPr/>
-              <a:t>10/26/16</a:t>
+              <a:t>3/7/17</a:t>
             </a:fld>
             <a:endParaRPr lang="en-US">
               <a:solidFill>
@@ -3154,7 +3154,7 @@
                 </a:solidFill>
               </a:rPr>
               <a:pPr/>
-              <a:t>10/26/16</a:t>
+              <a:t>3/7/17</a:t>
             </a:fld>
             <a:endParaRPr lang="en-US">
               <a:solidFill>
@@ -3396,7 +3396,7 @@
                 </a:solidFill>
               </a:rPr>
               <a:pPr defTabSz="457200"/>
-              <a:t>10/26/16</a:t>
+              <a:t>3/7/17</a:t>
             </a:fld>
             <a:endParaRPr lang="en-US">
               <a:solidFill>
@@ -9836,8 +9836,8 @@
         </p:nvCxnSpPr>
         <p:spPr>
           <a:xfrm>
-            <a:off x="6526501" y="-754989"/>
-            <a:ext cx="1429443" cy="1168513"/>
+            <a:off x="6473306" y="-1301678"/>
+            <a:ext cx="1482638" cy="1715202"/>
           </a:xfrm>
           <a:prstGeom prst="bentConnector3">
             <a:avLst>
@@ -9876,7 +9876,7 @@
         </p:nvSpPr>
         <p:spPr>
           <a:xfrm>
-            <a:off x="3700650" y="-1561644"/>
+            <a:off x="3647455" y="-2108333"/>
             <a:ext cx="2825851" cy="1613309"/>
           </a:xfrm>
           <a:prstGeom prst="flowChartAlternateProcess">
@@ -9927,7 +9927,22 @@
                   <a:prstClr val="white"/>
                 </a:solidFill>
               </a:rPr>
-              <a:t>PREPERATION</a:t>
+              <a:t>PREPERATIO:</a:t>
+            </a:r>
+            <a:br>
+              <a:rPr lang="en-US" sz="1600" b="1" dirty="0" smtClean="0">
+                <a:solidFill>
+                  <a:prstClr val="white"/>
+                </a:solidFill>
+              </a:rPr>
+            </a:br>
+            <a:r>
+              <a:rPr lang="en-US" sz="1600" b="1" dirty="0" smtClean="0">
+                <a:solidFill>
+                  <a:prstClr val="white"/>
+                </a:solidFill>
+              </a:rPr>
+              <a:t>DeSe2, </a:t>
             </a:r>
           </a:p>
           <a:p>
@@ -9938,7 +9953,15 @@
                   <a:prstClr val="white"/>
                 </a:solidFill>
               </a:rPr>
-              <a:t>SVM, log transform etc.</a:t>
+              <a:t>log </a:t>
+            </a:r>
+            <a:r>
+              <a:rPr lang="en-US" sz="1600" b="1" dirty="0" smtClean="0">
+                <a:solidFill>
+                  <a:prstClr val="white"/>
+                </a:solidFill>
+              </a:rPr>
+              <a:t>transform </a:t>
             </a:r>
             <a:endParaRPr lang="en-US" sz="1400" b="1" dirty="0">
               <a:solidFill>
@@ -9959,8 +9982,8 @@
         </p:nvCxnSpPr>
         <p:spPr>
           <a:xfrm flipV="1">
-            <a:off x="4254268" y="51665"/>
-            <a:ext cx="859308" cy="937816"/>
+            <a:off x="4224415" y="-495024"/>
+            <a:ext cx="835966" cy="834177"/>
           </a:xfrm>
           <a:prstGeom prst="bentConnector2">
             <a:avLst/>
@@ -9997,7 +10020,7 @@
         </p:nvGrpSpPr>
         <p:grpSpPr>
           <a:xfrm>
-            <a:off x="2710103" y="643521"/>
+            <a:off x="2680250" y="-6807"/>
             <a:ext cx="1544165" cy="653788"/>
             <a:chOff x="1163675" y="3034636"/>
             <a:chExt cx="1544165" cy="653788"/>
@@ -10952,6 +10975,22 @@
                 </a:rPr>
                 <a:t>SVM </a:t>
               </a:r>
+              <a:r>
+                <a:rPr lang="en-US" sz="1200" b="1" dirty="0" smtClean="0">
+                  <a:solidFill>
+                    <a:prstClr val="white"/>
+                  </a:solidFill>
+                </a:rPr>
+                <a:t> +RF</a:t>
+              </a:r>
+              <a:r>
+                <a:rPr lang="en-US" sz="1200" b="1" dirty="0" smtClean="0">
+                  <a:solidFill>
+                    <a:prstClr val="white"/>
+                  </a:solidFill>
+                </a:rPr>
+                <a:t/>
+              </a:r>
               <a:br>
                 <a:rPr lang="en-US" sz="1200" b="1" dirty="0" smtClean="0">
                   <a:solidFill>
@@ -10981,7 +11020,15 @@
                     <a:prstClr val="white"/>
                   </a:solidFill>
                 </a:rPr>
-                <a:t>ith tuning whenever possible)</a:t>
+                <a:t>ith </a:t>
+              </a:r>
+              <a:r>
+                <a:rPr lang="en-US" sz="1200" b="1" dirty="0" smtClean="0">
+                  <a:solidFill>
+                    <a:prstClr val="white"/>
+                  </a:solidFill>
+                </a:rPr>
+                <a:t>tuning)</a:t>
               </a:r>
               <a:endParaRPr lang="en-US" sz="1200" b="1" dirty="0">
                 <a:solidFill>
@@ -10995,12 +11042,12 @@
                 <a:buChar char="•"/>
               </a:pPr>
               <a:r>
-                <a:rPr lang="en-US" sz="1200" dirty="0">
+                <a:rPr lang="en-US" sz="1200" dirty="0" smtClean="0">
                   <a:solidFill>
                     <a:prstClr val="white"/>
                   </a:solidFill>
                 </a:rPr>
-                <a:t>e</a:t>
+                <a:t>C </a:t>
               </a:r>
               <a:r>
                 <a:rPr lang="en-US" sz="1200" dirty="0" smtClean="0">
@@ -11008,7 +11055,7 @@
                     <a:prstClr val="white"/>
                   </a:solidFill>
                 </a:rPr>
-                <a:t>ps or C Classification</a:t>
+                <a:t>Classification</a:t>
               </a:r>
               <a:endParaRPr lang="en-US" sz="1200" dirty="0">
                 <a:solidFill>
@@ -11035,7 +11082,7 @@
                     <a:prstClr val="white"/>
                   </a:solidFill>
                 </a:rPr>
-                <a:t>Kernel</a:t>
+                <a:t>Sigmodal linear Kernels</a:t>
               </a:r>
               <a:endParaRPr lang="en-US" sz="1200" dirty="0">
                 <a:solidFill>
@@ -11392,7 +11439,7 @@
                     <a:prstClr val="black"/>
                   </a:solidFill>
                 </a:rPr>
-                <a:t>Recalculate 1000 </a:t>
+                <a:t>Recalculate 60 </a:t>
               </a:r>
               <a:r>
                 <a:rPr lang="en-US" dirty="0">
@@ -11818,8 +11865,8 @@
         </p:nvGrpSpPr>
         <p:grpSpPr>
           <a:xfrm>
-            <a:off x="1807688" y="1728700"/>
-            <a:ext cx="4368223" cy="5240303"/>
+            <a:off x="756138" y="1400950"/>
+            <a:ext cx="5281151" cy="5240303"/>
             <a:chOff x="9294571" y="161823"/>
             <a:chExt cx="4368223" cy="5240303"/>
           </a:xfrm>
@@ -11837,8 +11884,8 @@
             </a:xfrm>
             <a:prstGeom prst="wedgeRoundRectCallout">
               <a:avLst>
-                <a:gd name="adj1" fmla="val 116552"/>
-                <a:gd name="adj2" fmla="val -266"/>
+                <a:gd name="adj1" fmla="val 68475"/>
+                <a:gd name="adj2" fmla="val 11219"/>
                 <a:gd name="adj3" fmla="val 16667"/>
               </a:avLst>
             </a:prstGeom>
@@ -11876,10 +11923,7 @@
             <a:lstStyle/>
             <a:p>
               <a:pPr algn="ctr"/>
-              <a:r>
-                <a:rPr lang="en-US" sz="2800" b="1" spc="300" dirty="0"/>
-                <a:t>15 x 15 x 20 runs</a:t>
-              </a:r>
+              <a:endParaRPr lang="en-US" sz="2800" b="1" spc="300" dirty="0"/>
             </a:p>
           </p:txBody>
         </p:sp>
@@ -12278,31 +12322,10 @@
               <a:p>
                 <a:pPr algn="ctr"/>
                 <a:r>
-                  <a:rPr lang="en-US" sz="1050" b="1" dirty="0"/>
-                  <a:t>SVM</a:t>
+                  <a:rPr lang="en-US" sz="1050" b="1" dirty="0" smtClean="0"/>
+                  <a:t>SVM x 3 kernels  or RF</a:t>
                 </a:r>
-              </a:p>
-              <a:p>
-                <a:pPr algn="ctr"/>
-                <a:r>
-                  <a:rPr lang="en-US" sz="1050" dirty="0"/>
-                  <a:t>Parameters from grid. </a:t>
-                </a:r>
-                <a:r>
-                  <a:rPr lang="en-US" sz="1050" dirty="0" smtClean="0"/>
-                  <a:t/>
-                </a:r>
-                <a:br>
-                  <a:rPr lang="en-US" sz="1050" dirty="0" smtClean="0"/>
-                </a:br>
-                <a:r>
-                  <a:rPr lang="en-US" sz="1050" dirty="0" smtClean="0"/>
-                  <a:t>(</a:t>
-                </a:r>
-                <a:r>
-                  <a:rPr lang="en-US" sz="1050" dirty="0"/>
-                  <a:t>c, gamma)</a:t>
-                </a:r>
+                <a:endParaRPr lang="en-US" sz="1050" dirty="0"/>
               </a:p>
             </p:txBody>
           </p:sp>
@@ -12752,6 +12775,186 @@
           </p:txBody>
         </p:sp>
       </p:grpSp>
+      <p:sp>
+        <p:nvSpPr>
+          <p:cNvPr id="74" name="TextBox 73"/>
+          <p:cNvSpPr txBox="1"/>
+          <p:nvPr/>
+        </p:nvSpPr>
+        <p:spPr>
+          <a:xfrm rot="16200000">
+            <a:off x="-1211957" y="3721603"/>
+            <a:ext cx="4942806" cy="954107"/>
+          </a:xfrm>
+          <a:prstGeom prst="rect">
+            <a:avLst/>
+          </a:prstGeom>
+          <a:noFill/>
+        </p:spPr>
+        <p:txBody>
+          <a:bodyPr wrap="square" rtlCol="0">
+            <a:spAutoFit/>
+          </a:bodyPr>
+          <a:lstStyle/>
+          <a:p>
+            <a:pPr lvl="0" algn="ctr"/>
+            <a:r>
+              <a:rPr lang="en-US" sz="1400" b="1" kern="0" spc="300" dirty="0">
+                <a:solidFill>
+                  <a:prstClr val="black"/>
+                </a:solidFill>
+              </a:rPr>
+              <a:t>5</a:t>
+            </a:r>
+            <a:r>
+              <a:rPr lang="en-US" sz="1400" b="1" kern="0" spc="300" dirty="0" smtClean="0">
+                <a:solidFill>
+                  <a:prstClr val="black"/>
+                </a:solidFill>
+              </a:rPr>
+              <a:t> </a:t>
+            </a:r>
+            <a:r>
+              <a:rPr lang="en-US" sz="1400" b="1" kern="0" spc="300" dirty="0" smtClean="0">
+                <a:solidFill>
+                  <a:prstClr val="black"/>
+                </a:solidFill>
+              </a:rPr>
+              <a:t>runs </a:t>
+            </a:r>
+            <a:r>
+              <a:rPr lang="en-US" sz="1400" b="1" kern="0" spc="300" smtClean="0">
+                <a:solidFill>
+                  <a:prstClr val="black"/>
+                </a:solidFill>
+              </a:rPr>
+              <a:t>for </a:t>
+            </a:r>
+            <a:r>
+              <a:rPr lang="en-US" sz="1400" b="1" kern="0" spc="300" smtClean="0">
+                <a:solidFill>
+                  <a:prstClr val="black"/>
+                </a:solidFill>
+              </a:rPr>
+              <a:t>2</a:t>
+            </a:r>
+            <a:r>
+              <a:rPr lang="en-US" sz="1400" b="1" kern="0" spc="300" smtClean="0">
+                <a:solidFill>
+                  <a:prstClr val="black"/>
+                </a:solidFill>
+              </a:rPr>
+              <a:t>5 </a:t>
+            </a:r>
+            <a:r>
+              <a:rPr lang="en-US" sz="1400" b="1" kern="0" spc="300" dirty="0" smtClean="0">
+                <a:solidFill>
+                  <a:prstClr val="black"/>
+                </a:solidFill>
+              </a:rPr>
+              <a:t>x </a:t>
+            </a:r>
+            <a:r>
+              <a:rPr lang="en-US" sz="1400" b="1" kern="0" spc="300" dirty="0" smtClean="0">
+                <a:solidFill>
+                  <a:prstClr val="black"/>
+                </a:solidFill>
+              </a:rPr>
+              <a:t>25 </a:t>
+            </a:r>
+            <a:r>
+              <a:rPr lang="en-US" sz="1400" b="1" kern="0" spc="300" dirty="0" smtClean="0">
+                <a:solidFill>
+                  <a:prstClr val="black"/>
+                </a:solidFill>
+              </a:rPr>
+              <a:t>parameter </a:t>
+            </a:r>
+            <a:r>
+              <a:rPr lang="en-US" sz="1400" b="1" kern="0" spc="300" dirty="0" smtClean="0">
+                <a:solidFill>
+                  <a:prstClr val="black"/>
+                </a:solidFill>
+              </a:rPr>
+              <a:t>space</a:t>
+            </a:r>
+          </a:p>
+          <a:p>
+            <a:pPr lvl="0" algn="ctr"/>
+            <a:r>
+              <a:rPr lang="en-US" sz="1400" b="1" kern="0" spc="300" dirty="0" smtClean="0">
+                <a:solidFill>
+                  <a:prstClr val="black"/>
+                </a:solidFill>
+              </a:rPr>
+              <a:t>For 3 kernels SVM</a:t>
+            </a:r>
+          </a:p>
+          <a:p>
+            <a:pPr lvl="0" algn="ctr"/>
+            <a:r>
+              <a:rPr lang="en-US" sz="1400" b="1" kern="0" spc="300" dirty="0" smtClean="0">
+                <a:solidFill>
+                  <a:prstClr val="black"/>
+                </a:solidFill>
+              </a:rPr>
+              <a:t>+</a:t>
+            </a:r>
+          </a:p>
+          <a:p>
+            <a:pPr lvl="0" algn="ctr"/>
+            <a:r>
+              <a:rPr lang="en-US" sz="1400" b="1" kern="0" spc="300" dirty="0" smtClean="0">
+                <a:solidFill>
+                  <a:prstClr val="black"/>
+                </a:solidFill>
+              </a:rPr>
+              <a:t> 3 x 5 x 5 runs for RF</a:t>
+            </a:r>
+            <a:endParaRPr lang="en-US" sz="1400" b="1" kern="0" spc="300" dirty="0">
+              <a:solidFill>
+                <a:prstClr val="black"/>
+              </a:solidFill>
+            </a:endParaRPr>
+          </a:p>
+        </p:txBody>
+      </p:sp>
+      <p:cxnSp>
+        <p:nvCxnSpPr>
+          <p:cNvPr id="10" name="Elbow Connector 9"/>
+          <p:cNvCxnSpPr>
+            <a:stCxn id="73" idx="6"/>
+            <a:endCxn id="44" idx="4"/>
+          </p:cNvCxnSpPr>
+          <p:nvPr/>
+        </p:nvCxnSpPr>
+        <p:spPr>
+          <a:xfrm flipV="1">
+            <a:off x="4420343" y="5435278"/>
+            <a:ext cx="5590648" cy="677687"/>
+          </a:xfrm>
+          <a:prstGeom prst="bentConnector2">
+            <a:avLst/>
+          </a:prstGeom>
+          <a:ln>
+            <a:tailEnd type="triangle"/>
+          </a:ln>
+        </p:spPr>
+        <p:style>
+          <a:lnRef idx="2">
+            <a:schemeClr val="accent1"/>
+          </a:lnRef>
+          <a:fillRef idx="0">
+            <a:schemeClr val="accent1"/>
+          </a:fillRef>
+          <a:effectRef idx="1">
+            <a:schemeClr val="accent1"/>
+          </a:effectRef>
+          <a:fontRef idx="minor">
+            <a:schemeClr val="tx1"/>
+          </a:fontRef>
+        </p:style>
+      </p:cxnSp>
     </p:spTree>
     <p:extLst>
       <p:ext uri="{BB962C8B-B14F-4D97-AF65-F5344CB8AC3E}">
